--- a/tu.pptx
+++ b/tu.pptx
@@ -5,13 +5,14 @@
     <p:sldMasterId id="2147483648" r:id="rId1"/>
   </p:sldMasterIdLst>
   <p:notesMasterIdLst>
-    <p:notesMasterId r:id="rId6"/>
+    <p:notesMasterId r:id="rId7"/>
   </p:notesMasterIdLst>
   <p:sldIdLst>
     <p:sldId id="256" r:id="rId2"/>
     <p:sldId id="257" r:id="rId3"/>
     <p:sldId id="259" r:id="rId4"/>
     <p:sldId id="260" r:id="rId5"/>
+    <p:sldId id="261" r:id="rId6"/>
   </p:sldIdLst>
   <p:sldSz cx="12192000" cy="6858000"/>
   <p:notesSz cx="6858000" cy="9144000"/>
@@ -383,11 +384,11 @@
         </c:dLbls>
         <c:gapWidth val="219"/>
         <c:overlap val="-27"/>
-        <c:axId val="710679456"/>
-        <c:axId val="710678896"/>
+        <c:axId val="627692672"/>
+        <c:axId val="627693232"/>
       </c:barChart>
       <c:catAx>
-        <c:axId val="710679456"/>
+        <c:axId val="627692672"/>
         <c:scaling>
           <c:orientation val="minMax"/>
         </c:scaling>
@@ -427,7 +428,7 @@
             <a:endParaRPr lang="zh-CN"/>
           </a:p>
         </c:txPr>
-        <c:crossAx val="710678896"/>
+        <c:crossAx val="627693232"/>
         <c:crosses val="autoZero"/>
         <c:auto val="1"/>
         <c:lblAlgn val="ctr"/>
@@ -435,7 +436,7 @@
         <c:noMultiLvlLbl val="0"/>
       </c:catAx>
       <c:valAx>
-        <c:axId val="710678896"/>
+        <c:axId val="627693232"/>
         <c:scaling>
           <c:orientation val="minMax"/>
         </c:scaling>
@@ -548,7 +549,7 @@
             <a:endParaRPr lang="zh-CN"/>
           </a:p>
         </c:txPr>
-        <c:crossAx val="710679456"/>
+        <c:crossAx val="627692672"/>
         <c:crosses val="autoZero"/>
         <c:crossBetween val="between"/>
         <c:majorUnit val="10"/>
@@ -1256,7 +1257,7 @@
           <a:p>
             <a:fld id="{6E19AFAF-88A3-4E4A-BD2D-53885F53C6D9}" type="datetimeFigureOut">
               <a:rPr lang="zh-CN" altLang="en-US" smtClean="0"/>
-              <a:t>2015/10/28</a:t>
+              <a:t>2015/12/3</a:t>
             </a:fld>
             <a:endParaRPr lang="zh-CN" altLang="en-US"/>
           </a:p>
@@ -1739,7 +1740,7 @@
           <a:p>
             <a:fld id="{A7DCA63E-3E01-499E-A8DD-AC09335905F6}" type="datetimeFigureOut">
               <a:rPr lang="zh-CN" altLang="en-US" smtClean="0"/>
-              <a:t>2015/10/28</a:t>
+              <a:t>2015/12/3</a:t>
             </a:fld>
             <a:endParaRPr lang="zh-CN" altLang="en-US"/>
           </a:p>
@@ -1909,7 +1910,7 @@
           <a:p>
             <a:fld id="{A7DCA63E-3E01-499E-A8DD-AC09335905F6}" type="datetimeFigureOut">
               <a:rPr lang="zh-CN" altLang="en-US" smtClean="0"/>
-              <a:t>2015/10/28</a:t>
+              <a:t>2015/12/3</a:t>
             </a:fld>
             <a:endParaRPr lang="zh-CN" altLang="en-US"/>
           </a:p>
@@ -2089,7 +2090,7 @@
           <a:p>
             <a:fld id="{A7DCA63E-3E01-499E-A8DD-AC09335905F6}" type="datetimeFigureOut">
               <a:rPr lang="zh-CN" altLang="en-US" smtClean="0"/>
-              <a:t>2015/10/28</a:t>
+              <a:t>2015/12/3</a:t>
             </a:fld>
             <a:endParaRPr lang="zh-CN" altLang="en-US"/>
           </a:p>
@@ -2259,7 +2260,7 @@
           <a:p>
             <a:fld id="{A7DCA63E-3E01-499E-A8DD-AC09335905F6}" type="datetimeFigureOut">
               <a:rPr lang="zh-CN" altLang="en-US" smtClean="0"/>
-              <a:t>2015/10/28</a:t>
+              <a:t>2015/12/3</a:t>
             </a:fld>
             <a:endParaRPr lang="zh-CN" altLang="en-US"/>
           </a:p>
@@ -2505,7 +2506,7 @@
           <a:p>
             <a:fld id="{A7DCA63E-3E01-499E-A8DD-AC09335905F6}" type="datetimeFigureOut">
               <a:rPr lang="zh-CN" altLang="en-US" smtClean="0"/>
-              <a:t>2015/10/28</a:t>
+              <a:t>2015/12/3</a:t>
             </a:fld>
             <a:endParaRPr lang="zh-CN" altLang="en-US"/>
           </a:p>
@@ -2737,7 +2738,7 @@
           <a:p>
             <a:fld id="{A7DCA63E-3E01-499E-A8DD-AC09335905F6}" type="datetimeFigureOut">
               <a:rPr lang="zh-CN" altLang="en-US" smtClean="0"/>
-              <a:t>2015/10/28</a:t>
+              <a:t>2015/12/3</a:t>
             </a:fld>
             <a:endParaRPr lang="zh-CN" altLang="en-US"/>
           </a:p>
@@ -3104,7 +3105,7 @@
           <a:p>
             <a:fld id="{A7DCA63E-3E01-499E-A8DD-AC09335905F6}" type="datetimeFigureOut">
               <a:rPr lang="zh-CN" altLang="en-US" smtClean="0"/>
-              <a:t>2015/10/28</a:t>
+              <a:t>2015/12/3</a:t>
             </a:fld>
             <a:endParaRPr lang="zh-CN" altLang="en-US"/>
           </a:p>
@@ -3222,7 +3223,7 @@
           <a:p>
             <a:fld id="{A7DCA63E-3E01-499E-A8DD-AC09335905F6}" type="datetimeFigureOut">
               <a:rPr lang="zh-CN" altLang="en-US" smtClean="0"/>
-              <a:t>2015/10/28</a:t>
+              <a:t>2015/12/3</a:t>
             </a:fld>
             <a:endParaRPr lang="zh-CN" altLang="en-US"/>
           </a:p>
@@ -3317,7 +3318,7 @@
           <a:p>
             <a:fld id="{A7DCA63E-3E01-499E-A8DD-AC09335905F6}" type="datetimeFigureOut">
               <a:rPr lang="zh-CN" altLang="en-US" smtClean="0"/>
-              <a:t>2015/10/28</a:t>
+              <a:t>2015/12/3</a:t>
             </a:fld>
             <a:endParaRPr lang="zh-CN" altLang="en-US"/>
           </a:p>
@@ -3594,7 +3595,7 @@
           <a:p>
             <a:fld id="{A7DCA63E-3E01-499E-A8DD-AC09335905F6}" type="datetimeFigureOut">
               <a:rPr lang="zh-CN" altLang="en-US" smtClean="0"/>
-              <a:t>2015/10/28</a:t>
+              <a:t>2015/12/3</a:t>
             </a:fld>
             <a:endParaRPr lang="zh-CN" altLang="en-US"/>
           </a:p>
@@ -3847,7 +3848,7 @@
           <a:p>
             <a:fld id="{A7DCA63E-3E01-499E-A8DD-AC09335905F6}" type="datetimeFigureOut">
               <a:rPr lang="zh-CN" altLang="en-US" smtClean="0"/>
-              <a:t>2015/10/28</a:t>
+              <a:t>2015/12/3</a:t>
             </a:fld>
             <a:endParaRPr lang="zh-CN" altLang="en-US"/>
           </a:p>
@@ -4060,7 +4061,7 @@
           <a:p>
             <a:fld id="{A7DCA63E-3E01-499E-A8DD-AC09335905F6}" type="datetimeFigureOut">
               <a:rPr lang="zh-CN" altLang="en-US" smtClean="0"/>
-              <a:t>2015/10/28</a:t>
+              <a:t>2015/12/3</a:t>
             </a:fld>
             <a:endParaRPr lang="zh-CN" altLang="en-US"/>
           </a:p>
@@ -6272,6 +6273,1168 @@
 </p:sld>
 </file>
 
+<file path=ppt/slides/slide5.xml><?xml version="1.0" encoding="utf-8"?>
+<p:sld xmlns:a="http://schemas.openxmlformats.org/drawingml/2006/main" xmlns:r="http://schemas.openxmlformats.org/officeDocument/2006/relationships" xmlns:p="http://schemas.openxmlformats.org/presentationml/2006/main">
+  <p:cSld>
+    <p:spTree>
+      <p:nvGrpSpPr>
+        <p:cNvPr id="1" name=""/>
+        <p:cNvGrpSpPr/>
+        <p:nvPr/>
+      </p:nvGrpSpPr>
+      <p:grpSpPr>
+        <a:xfrm>
+          <a:off x="0" y="0"/>
+          <a:ext cx="0" cy="0"/>
+          <a:chOff x="0" y="0"/>
+          <a:chExt cx="0" cy="0"/>
+        </a:xfrm>
+      </p:grpSpPr>
+      <p:sp>
+        <p:nvSpPr>
+          <p:cNvPr id="7" name="Rectangle 18"/>
+          <p:cNvSpPr>
+            <a:spLocks noChangeArrowheads="1"/>
+          </p:cNvSpPr>
+          <p:nvPr/>
+        </p:nvSpPr>
+        <p:spPr bwMode="auto">
+          <a:xfrm>
+            <a:off x="0" y="3800475"/>
+            <a:ext cx="12192000" cy="0"/>
+          </a:xfrm>
+          <a:prstGeom prst="rect">
+            <a:avLst/>
+          </a:prstGeom>
+          <a:noFill/>
+          <a:ln>
+            <a:noFill/>
+          </a:ln>
+          <a:effectLst/>
+          <a:extLst>
+            <a:ext uri="{909E8E84-426E-40DD-AFC4-6F175D3DCCD1}">
+              <a14:hiddenFill xmlns:a14="http://schemas.microsoft.com/office/drawing/2010/main">
+                <a:solidFill>
+                  <a:schemeClr val="accent1"/>
+                </a:solidFill>
+              </a14:hiddenFill>
+            </a:ext>
+            <a:ext uri="{91240B29-F687-4F45-9708-019B960494DF}">
+              <a14:hiddenLine xmlns:a14="http://schemas.microsoft.com/office/drawing/2010/main" w="9525">
+                <a:solidFill>
+                  <a:schemeClr val="tx1"/>
+                </a:solidFill>
+                <a:miter lim="800000"/>
+                <a:headEnd/>
+                <a:tailEnd/>
+              </a14:hiddenLine>
+            </a:ext>
+            <a:ext uri="{AF507438-7753-43E0-B8FC-AC1667EBCBE1}">
+              <a14:hiddenEffects xmlns:a14="http://schemas.microsoft.com/office/drawing/2010/main">
+                <a:effectLst>
+                  <a:outerShdw dist="35921" dir="2700000" algn="ctr" rotWithShape="0">
+                    <a:schemeClr val="bg2"/>
+                  </a:outerShdw>
+                </a:effectLst>
+              </a14:hiddenEffects>
+            </a:ext>
+          </a:extLst>
+        </p:spPr>
+        <p:txBody>
+          <a:bodyPr vert="horz" wrap="none" lIns="91440" tIns="45720" rIns="91440" bIns="45720" numCol="1" anchor="ctr" anchorCtr="0" compatLnSpc="1">
+            <a:prstTxWarp prst="textNoShape">
+              <a:avLst/>
+            </a:prstTxWarp>
+            <a:spAutoFit/>
+          </a:bodyPr>
+          <a:lstStyle/>
+          <a:p>
+            <a:endParaRPr lang="zh-CN" altLang="en-US"/>
+          </a:p>
+        </p:txBody>
+      </p:sp>
+      <p:grpSp>
+        <p:nvGrpSpPr>
+          <p:cNvPr id="19" name="组合 18"/>
+          <p:cNvGrpSpPr/>
+          <p:nvPr/>
+        </p:nvGrpSpPr>
+        <p:grpSpPr>
+          <a:xfrm>
+            <a:off x="751114" y="1006931"/>
+            <a:ext cx="2148675" cy="1618330"/>
+            <a:chOff x="751114" y="1006931"/>
+            <a:chExt cx="2148675" cy="1618330"/>
+          </a:xfrm>
+        </p:grpSpPr>
+        <p:grpSp>
+          <p:nvGrpSpPr>
+            <p:cNvPr id="18" name="组合 17"/>
+            <p:cNvGrpSpPr/>
+            <p:nvPr/>
+          </p:nvGrpSpPr>
+          <p:grpSpPr>
+            <a:xfrm>
+              <a:off x="751114" y="1006931"/>
+              <a:ext cx="2145117" cy="801331"/>
+              <a:chOff x="751114" y="978353"/>
+              <a:chExt cx="2145117" cy="801331"/>
+            </a:xfrm>
+          </p:grpSpPr>
+          <p:grpSp>
+            <p:nvGrpSpPr>
+              <p:cNvPr id="13" name="组合 12"/>
+              <p:cNvGrpSpPr/>
+              <p:nvPr/>
+            </p:nvGrpSpPr>
+            <p:grpSpPr>
+              <a:xfrm>
+                <a:off x="751114" y="995362"/>
+                <a:ext cx="438150" cy="779459"/>
+                <a:chOff x="751114" y="995362"/>
+                <a:chExt cx="438150" cy="779459"/>
+              </a:xfrm>
+            </p:grpSpPr>
+            <p:pic>
+              <p:nvPicPr>
+                <p:cNvPr id="1040" name="图片 15"/>
+                <p:cNvPicPr>
+                  <a:picLocks noChangeAspect="1" noChangeArrowheads="1"/>
+                </p:cNvPicPr>
+                <p:nvPr/>
+              </p:nvPicPr>
+              <p:blipFill>
+                <a:blip r:embed="rId2">
+                  <a:extLst>
+                    <a:ext uri="{28A0092B-C50C-407E-A947-70E740481C1C}">
+                      <a14:useLocalDpi xmlns:a14="http://schemas.microsoft.com/office/drawing/2010/main" val="0"/>
+                    </a:ext>
+                  </a:extLst>
+                </a:blip>
+                <a:srcRect/>
+                <a:stretch>
+                  <a:fillRect/>
+                </a:stretch>
+              </p:blipFill>
+              <p:spPr bwMode="auto">
+                <a:xfrm>
+                  <a:off x="751114" y="995362"/>
+                  <a:ext cx="438150" cy="581025"/>
+                </a:xfrm>
+                <a:prstGeom prst="rect">
+                  <a:avLst/>
+                </a:prstGeom>
+                <a:noFill/>
+                <a:extLst>
+                  <a:ext uri="{909E8E84-426E-40DD-AFC4-6F175D3DCCD1}">
+                    <a14:hiddenFill xmlns:a14="http://schemas.microsoft.com/office/drawing/2010/main">
+                      <a:solidFill>
+                        <a:srgbClr val="FFFFFF"/>
+                      </a:solidFill>
+                    </a14:hiddenFill>
+                  </a:ext>
+                </a:extLst>
+              </p:spPr>
+            </p:pic>
+            <p:sp>
+              <p:nvSpPr>
+                <p:cNvPr id="6" name="Rectangle 17"/>
+                <p:cNvSpPr>
+                  <a:spLocks noChangeArrowheads="1"/>
+                </p:cNvSpPr>
+                <p:nvPr/>
+              </p:nvSpPr>
+              <p:spPr bwMode="auto">
+                <a:xfrm>
+                  <a:off x="818657" y="1559377"/>
+                  <a:ext cx="303063" cy="215444"/>
+                </a:xfrm>
+                <a:prstGeom prst="rect">
+                  <a:avLst/>
+                </a:prstGeom>
+                <a:noFill/>
+                <a:ln>
+                  <a:noFill/>
+                </a:ln>
+                <a:effectLst/>
+                <a:extLst>
+                  <a:ext uri="{909E8E84-426E-40DD-AFC4-6F175D3DCCD1}">
+                    <a14:hiddenFill xmlns:a14="http://schemas.microsoft.com/office/drawing/2010/main">
+                      <a:solidFill>
+                        <a:schemeClr val="accent1"/>
+                      </a:solidFill>
+                    </a14:hiddenFill>
+                  </a:ext>
+                  <a:ext uri="{91240B29-F687-4F45-9708-019B960494DF}">
+                    <a14:hiddenLine xmlns:a14="http://schemas.microsoft.com/office/drawing/2010/main" w="9525">
+                      <a:solidFill>
+                        <a:schemeClr val="tx1"/>
+                      </a:solidFill>
+                      <a:miter lim="800000"/>
+                      <a:headEnd/>
+                      <a:tailEnd/>
+                    </a14:hiddenLine>
+                  </a:ext>
+                  <a:ext uri="{AF507438-7753-43E0-B8FC-AC1667EBCBE1}">
+                    <a14:hiddenEffects xmlns:a14="http://schemas.microsoft.com/office/drawing/2010/main">
+                      <a:effectLst>
+                        <a:outerShdw dist="35921" dir="2700000" algn="ctr" rotWithShape="0">
+                          <a:schemeClr val="bg2"/>
+                        </a:outerShdw>
+                      </a:effectLst>
+                    </a14:hiddenEffects>
+                  </a:ext>
+                </a:extLst>
+              </p:spPr>
+              <p:txBody>
+                <a:bodyPr vert="horz" wrap="square" lIns="91440" tIns="45720" rIns="91440" bIns="45720" numCol="1" anchor="ctr" anchorCtr="0" compatLnSpc="1">
+                  <a:prstTxWarp prst="textNoShape">
+                    <a:avLst/>
+                  </a:prstTxWarp>
+                  <a:spAutoFit/>
+                </a:bodyPr>
+                <a:lstStyle/>
+                <a:p>
+                  <a:r>
+                    <a:rPr lang="en-US" altLang="zh-CN" sz="800" dirty="0" smtClean="0">
+                      <a:latin typeface="Times New Roman" panose="02020603050405020304" pitchFamily="18" charset="0"/>
+                      <a:cs typeface="Times New Roman" panose="02020603050405020304" pitchFamily="18" charset="0"/>
+                    </a:rPr>
+                    <a:t>(1)</a:t>
+                  </a:r>
+                  <a:endParaRPr lang="zh-CN" altLang="en-US" sz="800" dirty="0">
+                    <a:latin typeface="Times New Roman" panose="02020603050405020304" pitchFamily="18" charset="0"/>
+                    <a:cs typeface="Times New Roman" panose="02020603050405020304" pitchFamily="18" charset="0"/>
+                  </a:endParaRPr>
+                </a:p>
+              </p:txBody>
+            </p:sp>
+          </p:grpSp>
+          <p:grpSp>
+            <p:nvGrpSpPr>
+              <p:cNvPr id="14" name="组合 13"/>
+              <p:cNvGrpSpPr/>
+              <p:nvPr/>
+            </p:nvGrpSpPr>
+            <p:grpSpPr>
+              <a:xfrm>
+                <a:off x="1282330" y="1069407"/>
+                <a:ext cx="581025" cy="705414"/>
+                <a:chOff x="1281793" y="1066799"/>
+                <a:chExt cx="581025" cy="705414"/>
+              </a:xfrm>
+            </p:grpSpPr>
+            <p:pic>
+              <p:nvPicPr>
+                <p:cNvPr id="1039" name="图片 16"/>
+                <p:cNvPicPr>
+                  <a:picLocks noChangeAspect="1" noChangeArrowheads="1"/>
+                </p:cNvPicPr>
+                <p:nvPr/>
+              </p:nvPicPr>
+              <p:blipFill>
+                <a:blip r:embed="rId3">
+                  <a:extLst>
+                    <a:ext uri="{28A0092B-C50C-407E-A947-70E740481C1C}">
+                      <a14:useLocalDpi xmlns:a14="http://schemas.microsoft.com/office/drawing/2010/main" val="0"/>
+                    </a:ext>
+                  </a:extLst>
+                </a:blip>
+                <a:srcRect/>
+                <a:stretch>
+                  <a:fillRect/>
+                </a:stretch>
+              </p:blipFill>
+              <p:spPr bwMode="auto">
+                <a:xfrm>
+                  <a:off x="1281793" y="1066799"/>
+                  <a:ext cx="581025" cy="438150"/>
+                </a:xfrm>
+                <a:prstGeom prst="rect">
+                  <a:avLst/>
+                </a:prstGeom>
+                <a:noFill/>
+                <a:extLst>
+                  <a:ext uri="{909E8E84-426E-40DD-AFC4-6F175D3DCCD1}">
+                    <a14:hiddenFill xmlns:a14="http://schemas.microsoft.com/office/drawing/2010/main">
+                      <a:solidFill>
+                        <a:srgbClr val="FFFFFF"/>
+                      </a:solidFill>
+                    </a14:hiddenFill>
+                  </a:ext>
+                </a:extLst>
+              </p:spPr>
+            </p:pic>
+            <p:sp>
+              <p:nvSpPr>
+                <p:cNvPr id="24" name="Rectangle 17"/>
+                <p:cNvSpPr>
+                  <a:spLocks noChangeArrowheads="1"/>
+                </p:cNvSpPr>
+                <p:nvPr/>
+              </p:nvSpPr>
+              <p:spPr bwMode="auto">
+                <a:xfrm>
+                  <a:off x="1422040" y="1556769"/>
+                  <a:ext cx="303063" cy="215444"/>
+                </a:xfrm>
+                <a:prstGeom prst="rect">
+                  <a:avLst/>
+                </a:prstGeom>
+                <a:noFill/>
+                <a:ln>
+                  <a:noFill/>
+                </a:ln>
+                <a:effectLst/>
+                <a:extLst>
+                  <a:ext uri="{909E8E84-426E-40DD-AFC4-6F175D3DCCD1}">
+                    <a14:hiddenFill xmlns:a14="http://schemas.microsoft.com/office/drawing/2010/main">
+                      <a:solidFill>
+                        <a:schemeClr val="accent1"/>
+                      </a:solidFill>
+                    </a14:hiddenFill>
+                  </a:ext>
+                  <a:ext uri="{91240B29-F687-4F45-9708-019B960494DF}">
+                    <a14:hiddenLine xmlns:a14="http://schemas.microsoft.com/office/drawing/2010/main" w="9525">
+                      <a:solidFill>
+                        <a:schemeClr val="tx1"/>
+                      </a:solidFill>
+                      <a:miter lim="800000"/>
+                      <a:headEnd/>
+                      <a:tailEnd/>
+                    </a14:hiddenLine>
+                  </a:ext>
+                  <a:ext uri="{AF507438-7753-43E0-B8FC-AC1667EBCBE1}">
+                    <a14:hiddenEffects xmlns:a14="http://schemas.microsoft.com/office/drawing/2010/main">
+                      <a:effectLst>
+                        <a:outerShdw dist="35921" dir="2700000" algn="ctr" rotWithShape="0">
+                          <a:schemeClr val="bg2"/>
+                        </a:outerShdw>
+                      </a:effectLst>
+                    </a14:hiddenEffects>
+                  </a:ext>
+                </a:extLst>
+              </p:spPr>
+              <p:txBody>
+                <a:bodyPr vert="horz" wrap="square" lIns="91440" tIns="45720" rIns="91440" bIns="45720" numCol="1" anchor="ctr" anchorCtr="0" compatLnSpc="1">
+                  <a:prstTxWarp prst="textNoShape">
+                    <a:avLst/>
+                  </a:prstTxWarp>
+                  <a:spAutoFit/>
+                </a:bodyPr>
+                <a:lstStyle/>
+                <a:p>
+                  <a:r>
+                    <a:rPr lang="en-US" altLang="zh-CN" sz="800" dirty="0" smtClean="0">
+                      <a:latin typeface="Times New Roman" panose="02020603050405020304" pitchFamily="18" charset="0"/>
+                      <a:cs typeface="Times New Roman" panose="02020603050405020304" pitchFamily="18" charset="0"/>
+                    </a:rPr>
+                    <a:t>(2)</a:t>
+                  </a:r>
+                  <a:endParaRPr lang="zh-CN" altLang="en-US" sz="800" dirty="0">
+                    <a:latin typeface="Times New Roman" panose="02020603050405020304" pitchFamily="18" charset="0"/>
+                    <a:cs typeface="Times New Roman" panose="02020603050405020304" pitchFamily="18" charset="0"/>
+                  </a:endParaRPr>
+                </a:p>
+              </p:txBody>
+            </p:sp>
+          </p:grpSp>
+          <p:grpSp>
+            <p:nvGrpSpPr>
+              <p:cNvPr id="15" name="组合 14"/>
+              <p:cNvGrpSpPr/>
+              <p:nvPr/>
+            </p:nvGrpSpPr>
+            <p:grpSpPr>
+              <a:xfrm>
+                <a:off x="1952106" y="978353"/>
+                <a:ext cx="438150" cy="796468"/>
+                <a:chOff x="1958067" y="983116"/>
+                <a:chExt cx="438150" cy="796468"/>
+              </a:xfrm>
+            </p:grpSpPr>
+            <p:pic>
+              <p:nvPicPr>
+                <p:cNvPr id="1038" name="图片 17"/>
+                <p:cNvPicPr>
+                  <a:picLocks noChangeAspect="1" noChangeArrowheads="1"/>
+                </p:cNvPicPr>
+                <p:nvPr/>
+              </p:nvPicPr>
+              <p:blipFill>
+                <a:blip r:embed="rId4">
+                  <a:extLst>
+                    <a:ext uri="{28A0092B-C50C-407E-A947-70E740481C1C}">
+                      <a14:useLocalDpi xmlns:a14="http://schemas.microsoft.com/office/drawing/2010/main" val="0"/>
+                    </a:ext>
+                  </a:extLst>
+                </a:blip>
+                <a:srcRect/>
+                <a:stretch>
+                  <a:fillRect/>
+                </a:stretch>
+              </p:blipFill>
+              <p:spPr bwMode="auto">
+                <a:xfrm>
+                  <a:off x="1958067" y="983116"/>
+                  <a:ext cx="438150" cy="581025"/>
+                </a:xfrm>
+                <a:prstGeom prst="rect">
+                  <a:avLst/>
+                </a:prstGeom>
+                <a:noFill/>
+                <a:extLst>
+                  <a:ext uri="{909E8E84-426E-40DD-AFC4-6F175D3DCCD1}">
+                    <a14:hiddenFill xmlns:a14="http://schemas.microsoft.com/office/drawing/2010/main">
+                      <a:solidFill>
+                        <a:srgbClr val="FFFFFF"/>
+                      </a:solidFill>
+                    </a14:hiddenFill>
+                  </a:ext>
+                </a:extLst>
+              </p:spPr>
+            </p:pic>
+            <p:sp>
+              <p:nvSpPr>
+                <p:cNvPr id="25" name="Rectangle 17"/>
+                <p:cNvSpPr>
+                  <a:spLocks noChangeArrowheads="1"/>
+                </p:cNvSpPr>
+                <p:nvPr/>
+              </p:nvSpPr>
+              <p:spPr bwMode="auto">
+                <a:xfrm>
+                  <a:off x="2025610" y="1564140"/>
+                  <a:ext cx="303063" cy="215444"/>
+                </a:xfrm>
+                <a:prstGeom prst="rect">
+                  <a:avLst/>
+                </a:prstGeom>
+                <a:noFill/>
+                <a:ln>
+                  <a:noFill/>
+                </a:ln>
+                <a:effectLst/>
+                <a:extLst>
+                  <a:ext uri="{909E8E84-426E-40DD-AFC4-6F175D3DCCD1}">
+                    <a14:hiddenFill xmlns:a14="http://schemas.microsoft.com/office/drawing/2010/main">
+                      <a:solidFill>
+                        <a:schemeClr val="accent1"/>
+                      </a:solidFill>
+                    </a14:hiddenFill>
+                  </a:ext>
+                  <a:ext uri="{91240B29-F687-4F45-9708-019B960494DF}">
+                    <a14:hiddenLine xmlns:a14="http://schemas.microsoft.com/office/drawing/2010/main" w="9525">
+                      <a:solidFill>
+                        <a:schemeClr val="tx1"/>
+                      </a:solidFill>
+                      <a:miter lim="800000"/>
+                      <a:headEnd/>
+                      <a:tailEnd/>
+                    </a14:hiddenLine>
+                  </a:ext>
+                  <a:ext uri="{AF507438-7753-43E0-B8FC-AC1667EBCBE1}">
+                    <a14:hiddenEffects xmlns:a14="http://schemas.microsoft.com/office/drawing/2010/main">
+                      <a:effectLst>
+                        <a:outerShdw dist="35921" dir="2700000" algn="ctr" rotWithShape="0">
+                          <a:schemeClr val="bg2"/>
+                        </a:outerShdw>
+                      </a:effectLst>
+                    </a14:hiddenEffects>
+                  </a:ext>
+                </a:extLst>
+              </p:spPr>
+              <p:txBody>
+                <a:bodyPr vert="horz" wrap="square" lIns="91440" tIns="45720" rIns="91440" bIns="45720" numCol="1" anchor="ctr" anchorCtr="0" compatLnSpc="1">
+                  <a:prstTxWarp prst="textNoShape">
+                    <a:avLst/>
+                  </a:prstTxWarp>
+                  <a:spAutoFit/>
+                </a:bodyPr>
+                <a:lstStyle/>
+                <a:p>
+                  <a:r>
+                    <a:rPr lang="en-US" altLang="zh-CN" sz="800" dirty="0" smtClean="0">
+                      <a:latin typeface="Times New Roman" panose="02020603050405020304" pitchFamily="18" charset="0"/>
+                      <a:cs typeface="Times New Roman" panose="02020603050405020304" pitchFamily="18" charset="0"/>
+                    </a:rPr>
+                    <a:t>(3)</a:t>
+                  </a:r>
+                  <a:endParaRPr lang="zh-CN" altLang="en-US" sz="800" dirty="0">
+                    <a:latin typeface="Times New Roman" panose="02020603050405020304" pitchFamily="18" charset="0"/>
+                    <a:cs typeface="Times New Roman" panose="02020603050405020304" pitchFamily="18" charset="0"/>
+                  </a:endParaRPr>
+                </a:p>
+              </p:txBody>
+            </p:sp>
+          </p:grpSp>
+          <p:grpSp>
+            <p:nvGrpSpPr>
+              <p:cNvPr id="16" name="组合 15"/>
+              <p:cNvGrpSpPr/>
+              <p:nvPr/>
+            </p:nvGrpSpPr>
+            <p:grpSpPr>
+              <a:xfrm>
+                <a:off x="2458081" y="990587"/>
+                <a:ext cx="438150" cy="789097"/>
+                <a:chOff x="2488746" y="983116"/>
+                <a:chExt cx="438150" cy="789097"/>
+              </a:xfrm>
+            </p:grpSpPr>
+            <p:pic>
+              <p:nvPicPr>
+                <p:cNvPr id="1037" name="图片 18"/>
+                <p:cNvPicPr>
+                  <a:picLocks noChangeAspect="1" noChangeArrowheads="1"/>
+                </p:cNvPicPr>
+                <p:nvPr/>
+              </p:nvPicPr>
+              <p:blipFill>
+                <a:blip r:embed="rId5">
+                  <a:extLst>
+                    <a:ext uri="{28A0092B-C50C-407E-A947-70E740481C1C}">
+                      <a14:useLocalDpi xmlns:a14="http://schemas.microsoft.com/office/drawing/2010/main" val="0"/>
+                    </a:ext>
+                  </a:extLst>
+                </a:blip>
+                <a:srcRect/>
+                <a:stretch>
+                  <a:fillRect/>
+                </a:stretch>
+              </p:blipFill>
+              <p:spPr bwMode="auto">
+                <a:xfrm>
+                  <a:off x="2488746" y="983116"/>
+                  <a:ext cx="438150" cy="581025"/>
+                </a:xfrm>
+                <a:prstGeom prst="rect">
+                  <a:avLst/>
+                </a:prstGeom>
+                <a:noFill/>
+                <a:extLst>
+                  <a:ext uri="{909E8E84-426E-40DD-AFC4-6F175D3DCCD1}">
+                    <a14:hiddenFill xmlns:a14="http://schemas.microsoft.com/office/drawing/2010/main">
+                      <a:solidFill>
+                        <a:srgbClr val="FFFFFF"/>
+                      </a:solidFill>
+                    </a14:hiddenFill>
+                  </a:ext>
+                </a:extLst>
+              </p:spPr>
+            </p:pic>
+            <p:sp>
+              <p:nvSpPr>
+                <p:cNvPr id="26" name="Rectangle 17"/>
+                <p:cNvSpPr>
+                  <a:spLocks noChangeArrowheads="1"/>
+                </p:cNvSpPr>
+                <p:nvPr/>
+              </p:nvSpPr>
+              <p:spPr bwMode="auto">
+                <a:xfrm>
+                  <a:off x="2559083" y="1556769"/>
+                  <a:ext cx="303063" cy="215444"/>
+                </a:xfrm>
+                <a:prstGeom prst="rect">
+                  <a:avLst/>
+                </a:prstGeom>
+                <a:noFill/>
+                <a:ln>
+                  <a:noFill/>
+                </a:ln>
+                <a:effectLst/>
+                <a:extLst>
+                  <a:ext uri="{909E8E84-426E-40DD-AFC4-6F175D3DCCD1}">
+                    <a14:hiddenFill xmlns:a14="http://schemas.microsoft.com/office/drawing/2010/main">
+                      <a:solidFill>
+                        <a:schemeClr val="accent1"/>
+                      </a:solidFill>
+                    </a14:hiddenFill>
+                  </a:ext>
+                  <a:ext uri="{91240B29-F687-4F45-9708-019B960494DF}">
+                    <a14:hiddenLine xmlns:a14="http://schemas.microsoft.com/office/drawing/2010/main" w="9525">
+                      <a:solidFill>
+                        <a:schemeClr val="tx1"/>
+                      </a:solidFill>
+                      <a:miter lim="800000"/>
+                      <a:headEnd/>
+                      <a:tailEnd/>
+                    </a14:hiddenLine>
+                  </a:ext>
+                  <a:ext uri="{AF507438-7753-43E0-B8FC-AC1667EBCBE1}">
+                    <a14:hiddenEffects xmlns:a14="http://schemas.microsoft.com/office/drawing/2010/main">
+                      <a:effectLst>
+                        <a:outerShdw dist="35921" dir="2700000" algn="ctr" rotWithShape="0">
+                          <a:schemeClr val="bg2"/>
+                        </a:outerShdw>
+                      </a:effectLst>
+                    </a14:hiddenEffects>
+                  </a:ext>
+                </a:extLst>
+              </p:spPr>
+              <p:txBody>
+                <a:bodyPr vert="horz" wrap="square" lIns="91440" tIns="45720" rIns="91440" bIns="45720" numCol="1" anchor="ctr" anchorCtr="0" compatLnSpc="1">
+                  <a:prstTxWarp prst="textNoShape">
+                    <a:avLst/>
+                  </a:prstTxWarp>
+                  <a:spAutoFit/>
+                </a:bodyPr>
+                <a:lstStyle/>
+                <a:p>
+                  <a:r>
+                    <a:rPr lang="en-US" altLang="zh-CN" sz="800" dirty="0" smtClean="0">
+                      <a:latin typeface="Times New Roman" panose="02020603050405020304" pitchFamily="18" charset="0"/>
+                      <a:cs typeface="Times New Roman" panose="02020603050405020304" pitchFamily="18" charset="0"/>
+                    </a:rPr>
+                    <a:t>(4)</a:t>
+                  </a:r>
+                  <a:endParaRPr lang="zh-CN" altLang="en-US" sz="800" dirty="0">
+                    <a:latin typeface="Times New Roman" panose="02020603050405020304" pitchFamily="18" charset="0"/>
+                    <a:cs typeface="Times New Roman" panose="02020603050405020304" pitchFamily="18" charset="0"/>
+                  </a:endParaRPr>
+                </a:p>
+              </p:txBody>
+            </p:sp>
+          </p:grpSp>
+        </p:grpSp>
+        <p:grpSp>
+          <p:nvGrpSpPr>
+            <p:cNvPr id="17" name="组合 16"/>
+            <p:cNvGrpSpPr/>
+            <p:nvPr/>
+          </p:nvGrpSpPr>
+          <p:grpSpPr>
+            <a:xfrm>
+              <a:off x="751114" y="1816937"/>
+              <a:ext cx="2148675" cy="808324"/>
+              <a:chOff x="751114" y="1816937"/>
+              <a:chExt cx="2148675" cy="808324"/>
+            </a:xfrm>
+          </p:grpSpPr>
+          <p:grpSp>
+            <p:nvGrpSpPr>
+              <p:cNvPr id="9" name="组合 8"/>
+              <p:cNvGrpSpPr/>
+              <p:nvPr/>
+            </p:nvGrpSpPr>
+            <p:grpSpPr>
+              <a:xfrm>
+                <a:off x="751114" y="1816937"/>
+                <a:ext cx="438150" cy="796469"/>
+                <a:chOff x="3019425" y="983115"/>
+                <a:chExt cx="438150" cy="796469"/>
+              </a:xfrm>
+            </p:grpSpPr>
+            <p:pic>
+              <p:nvPicPr>
+                <p:cNvPr id="1036" name="图片 19"/>
+                <p:cNvPicPr>
+                  <a:picLocks noChangeAspect="1" noChangeArrowheads="1"/>
+                </p:cNvPicPr>
+                <p:nvPr/>
+              </p:nvPicPr>
+              <p:blipFill>
+                <a:blip r:embed="rId6">
+                  <a:extLst>
+                    <a:ext uri="{28A0092B-C50C-407E-A947-70E740481C1C}">
+                      <a14:useLocalDpi xmlns:a14="http://schemas.microsoft.com/office/drawing/2010/main" val="0"/>
+                    </a:ext>
+                  </a:extLst>
+                </a:blip>
+                <a:srcRect/>
+                <a:stretch>
+                  <a:fillRect/>
+                </a:stretch>
+              </p:blipFill>
+              <p:spPr bwMode="auto">
+                <a:xfrm>
+                  <a:off x="3019425" y="983115"/>
+                  <a:ext cx="438150" cy="581025"/>
+                </a:xfrm>
+                <a:prstGeom prst="rect">
+                  <a:avLst/>
+                </a:prstGeom>
+                <a:noFill/>
+                <a:extLst>
+                  <a:ext uri="{909E8E84-426E-40DD-AFC4-6F175D3DCCD1}">
+                    <a14:hiddenFill xmlns:a14="http://schemas.microsoft.com/office/drawing/2010/main">
+                      <a:solidFill>
+                        <a:srgbClr val="FFFFFF"/>
+                      </a:solidFill>
+                    </a14:hiddenFill>
+                  </a:ext>
+                </a:extLst>
+              </p:spPr>
+            </p:pic>
+            <p:sp>
+              <p:nvSpPr>
+                <p:cNvPr id="27" name="Rectangle 17"/>
+                <p:cNvSpPr>
+                  <a:spLocks noChangeArrowheads="1"/>
+                </p:cNvSpPr>
+                <p:nvPr/>
+              </p:nvSpPr>
+              <p:spPr bwMode="auto">
+                <a:xfrm>
+                  <a:off x="3081031" y="1564140"/>
+                  <a:ext cx="303063" cy="215444"/>
+                </a:xfrm>
+                <a:prstGeom prst="rect">
+                  <a:avLst/>
+                </a:prstGeom>
+                <a:noFill/>
+                <a:ln>
+                  <a:noFill/>
+                </a:ln>
+                <a:effectLst/>
+                <a:extLst>
+                  <a:ext uri="{909E8E84-426E-40DD-AFC4-6F175D3DCCD1}">
+                    <a14:hiddenFill xmlns:a14="http://schemas.microsoft.com/office/drawing/2010/main">
+                      <a:solidFill>
+                        <a:schemeClr val="accent1"/>
+                      </a:solidFill>
+                    </a14:hiddenFill>
+                  </a:ext>
+                  <a:ext uri="{91240B29-F687-4F45-9708-019B960494DF}">
+                    <a14:hiddenLine xmlns:a14="http://schemas.microsoft.com/office/drawing/2010/main" w="9525">
+                      <a:solidFill>
+                        <a:schemeClr val="tx1"/>
+                      </a:solidFill>
+                      <a:miter lim="800000"/>
+                      <a:headEnd/>
+                      <a:tailEnd/>
+                    </a14:hiddenLine>
+                  </a:ext>
+                  <a:ext uri="{AF507438-7753-43E0-B8FC-AC1667EBCBE1}">
+                    <a14:hiddenEffects xmlns:a14="http://schemas.microsoft.com/office/drawing/2010/main">
+                      <a:effectLst>
+                        <a:outerShdw dist="35921" dir="2700000" algn="ctr" rotWithShape="0">
+                          <a:schemeClr val="bg2"/>
+                        </a:outerShdw>
+                      </a:effectLst>
+                    </a14:hiddenEffects>
+                  </a:ext>
+                </a:extLst>
+              </p:spPr>
+              <p:txBody>
+                <a:bodyPr vert="horz" wrap="square" lIns="91440" tIns="45720" rIns="91440" bIns="45720" numCol="1" anchor="ctr" anchorCtr="0" compatLnSpc="1">
+                  <a:prstTxWarp prst="textNoShape">
+                    <a:avLst/>
+                  </a:prstTxWarp>
+                  <a:spAutoFit/>
+                </a:bodyPr>
+                <a:lstStyle/>
+                <a:p>
+                  <a:r>
+                    <a:rPr lang="en-US" altLang="zh-CN" sz="800" dirty="0" smtClean="0">
+                      <a:latin typeface="Times New Roman" panose="02020603050405020304" pitchFamily="18" charset="0"/>
+                      <a:cs typeface="Times New Roman" panose="02020603050405020304" pitchFamily="18" charset="0"/>
+                    </a:rPr>
+                    <a:t>(5)</a:t>
+                  </a:r>
+                  <a:endParaRPr lang="zh-CN" altLang="en-US" sz="800" dirty="0">
+                    <a:latin typeface="Times New Roman" panose="02020603050405020304" pitchFamily="18" charset="0"/>
+                    <a:cs typeface="Times New Roman" panose="02020603050405020304" pitchFamily="18" charset="0"/>
+                  </a:endParaRPr>
+                </a:p>
+              </p:txBody>
+            </p:sp>
+          </p:grpSp>
+          <p:grpSp>
+            <p:nvGrpSpPr>
+              <p:cNvPr id="10" name="组合 9"/>
+              <p:cNvGrpSpPr/>
+              <p:nvPr/>
+            </p:nvGrpSpPr>
+            <p:grpSpPr>
+              <a:xfrm>
+                <a:off x="1273029" y="1824034"/>
+                <a:ext cx="438150" cy="796469"/>
+                <a:chOff x="3550104" y="983115"/>
+                <a:chExt cx="438150" cy="796469"/>
+              </a:xfrm>
+            </p:grpSpPr>
+            <p:pic>
+              <p:nvPicPr>
+                <p:cNvPr id="1035" name="图片 20"/>
+                <p:cNvPicPr>
+                  <a:picLocks noChangeAspect="1" noChangeArrowheads="1"/>
+                </p:cNvPicPr>
+                <p:nvPr/>
+              </p:nvPicPr>
+              <p:blipFill>
+                <a:blip r:embed="rId7">
+                  <a:extLst>
+                    <a:ext uri="{28A0092B-C50C-407E-A947-70E740481C1C}">
+                      <a14:useLocalDpi xmlns:a14="http://schemas.microsoft.com/office/drawing/2010/main" val="0"/>
+                    </a:ext>
+                  </a:extLst>
+                </a:blip>
+                <a:srcRect/>
+                <a:stretch>
+                  <a:fillRect/>
+                </a:stretch>
+              </p:blipFill>
+              <p:spPr bwMode="auto">
+                <a:xfrm>
+                  <a:off x="3550104" y="983115"/>
+                  <a:ext cx="438150" cy="581025"/>
+                </a:xfrm>
+                <a:prstGeom prst="rect">
+                  <a:avLst/>
+                </a:prstGeom>
+                <a:noFill/>
+                <a:extLst>
+                  <a:ext uri="{909E8E84-426E-40DD-AFC4-6F175D3DCCD1}">
+                    <a14:hiddenFill xmlns:a14="http://schemas.microsoft.com/office/drawing/2010/main">
+                      <a:solidFill>
+                        <a:srgbClr val="FFFFFF"/>
+                      </a:solidFill>
+                    </a14:hiddenFill>
+                  </a:ext>
+                </a:extLst>
+              </p:spPr>
+            </p:pic>
+            <p:sp>
+              <p:nvSpPr>
+                <p:cNvPr id="28" name="Rectangle 17"/>
+                <p:cNvSpPr>
+                  <a:spLocks noChangeArrowheads="1"/>
+                </p:cNvSpPr>
+                <p:nvPr/>
+              </p:nvSpPr>
+              <p:spPr bwMode="auto">
+                <a:xfrm>
+                  <a:off x="3602979" y="1564140"/>
+                  <a:ext cx="303063" cy="215444"/>
+                </a:xfrm>
+                <a:prstGeom prst="rect">
+                  <a:avLst/>
+                </a:prstGeom>
+                <a:noFill/>
+                <a:ln>
+                  <a:noFill/>
+                </a:ln>
+                <a:effectLst/>
+                <a:extLst>
+                  <a:ext uri="{909E8E84-426E-40DD-AFC4-6F175D3DCCD1}">
+                    <a14:hiddenFill xmlns:a14="http://schemas.microsoft.com/office/drawing/2010/main">
+                      <a:solidFill>
+                        <a:schemeClr val="accent1"/>
+                      </a:solidFill>
+                    </a14:hiddenFill>
+                  </a:ext>
+                  <a:ext uri="{91240B29-F687-4F45-9708-019B960494DF}">
+                    <a14:hiddenLine xmlns:a14="http://schemas.microsoft.com/office/drawing/2010/main" w="9525">
+                      <a:solidFill>
+                        <a:schemeClr val="tx1"/>
+                      </a:solidFill>
+                      <a:miter lim="800000"/>
+                      <a:headEnd/>
+                      <a:tailEnd/>
+                    </a14:hiddenLine>
+                  </a:ext>
+                  <a:ext uri="{AF507438-7753-43E0-B8FC-AC1667EBCBE1}">
+                    <a14:hiddenEffects xmlns:a14="http://schemas.microsoft.com/office/drawing/2010/main">
+                      <a:effectLst>
+                        <a:outerShdw dist="35921" dir="2700000" algn="ctr" rotWithShape="0">
+                          <a:schemeClr val="bg2"/>
+                        </a:outerShdw>
+                      </a:effectLst>
+                    </a14:hiddenEffects>
+                  </a:ext>
+                </a:extLst>
+              </p:spPr>
+              <p:txBody>
+                <a:bodyPr vert="horz" wrap="square" lIns="91440" tIns="45720" rIns="91440" bIns="45720" numCol="1" anchor="ctr" anchorCtr="0" compatLnSpc="1">
+                  <a:prstTxWarp prst="textNoShape">
+                    <a:avLst/>
+                  </a:prstTxWarp>
+                  <a:spAutoFit/>
+                </a:bodyPr>
+                <a:lstStyle/>
+                <a:p>
+                  <a:r>
+                    <a:rPr lang="en-US" altLang="zh-CN" sz="800" dirty="0" smtClean="0">
+                      <a:latin typeface="Times New Roman" panose="02020603050405020304" pitchFamily="18" charset="0"/>
+                      <a:cs typeface="Times New Roman" panose="02020603050405020304" pitchFamily="18" charset="0"/>
+                    </a:rPr>
+                    <a:t>(6)</a:t>
+                  </a:r>
+                  <a:endParaRPr lang="zh-CN" altLang="en-US" sz="800" dirty="0">
+                    <a:latin typeface="Times New Roman" panose="02020603050405020304" pitchFamily="18" charset="0"/>
+                    <a:cs typeface="Times New Roman" panose="02020603050405020304" pitchFamily="18" charset="0"/>
+                  </a:endParaRPr>
+                </a:p>
+              </p:txBody>
+            </p:sp>
+          </p:grpSp>
+          <p:grpSp>
+            <p:nvGrpSpPr>
+              <p:cNvPr id="11" name="组合 10"/>
+              <p:cNvGrpSpPr/>
+              <p:nvPr/>
+            </p:nvGrpSpPr>
+            <p:grpSpPr>
+              <a:xfrm>
+                <a:off x="1794944" y="1828792"/>
+                <a:ext cx="438150" cy="796469"/>
+                <a:chOff x="1805667" y="1824034"/>
+                <a:chExt cx="438150" cy="796469"/>
+              </a:xfrm>
+            </p:grpSpPr>
+            <p:pic>
+              <p:nvPicPr>
+                <p:cNvPr id="1034" name="图片 21"/>
+                <p:cNvPicPr>
+                  <a:picLocks noChangeAspect="1" noChangeArrowheads="1"/>
+                </p:cNvPicPr>
+                <p:nvPr/>
+              </p:nvPicPr>
+              <p:blipFill>
+                <a:blip r:embed="rId8">
+                  <a:extLst>
+                    <a:ext uri="{28A0092B-C50C-407E-A947-70E740481C1C}">
+                      <a14:useLocalDpi xmlns:a14="http://schemas.microsoft.com/office/drawing/2010/main" val="0"/>
+                    </a:ext>
+                  </a:extLst>
+                </a:blip>
+                <a:srcRect/>
+                <a:stretch>
+                  <a:fillRect/>
+                </a:stretch>
+              </p:blipFill>
+              <p:spPr bwMode="auto">
+                <a:xfrm>
+                  <a:off x="1805667" y="1824034"/>
+                  <a:ext cx="438150" cy="581025"/>
+                </a:xfrm>
+                <a:prstGeom prst="rect">
+                  <a:avLst/>
+                </a:prstGeom>
+                <a:noFill/>
+                <a:extLst>
+                  <a:ext uri="{909E8E84-426E-40DD-AFC4-6F175D3DCCD1}">
+                    <a14:hiddenFill xmlns:a14="http://schemas.microsoft.com/office/drawing/2010/main">
+                      <a:solidFill>
+                        <a:srgbClr val="FFFFFF"/>
+                      </a:solidFill>
+                    </a14:hiddenFill>
+                  </a:ext>
+                </a:extLst>
+              </p:spPr>
+            </p:pic>
+            <p:sp>
+              <p:nvSpPr>
+                <p:cNvPr id="29" name="Rectangle 17"/>
+                <p:cNvSpPr>
+                  <a:spLocks noChangeArrowheads="1"/>
+                </p:cNvSpPr>
+                <p:nvPr/>
+              </p:nvSpPr>
+              <p:spPr bwMode="auto">
+                <a:xfrm>
+                  <a:off x="1874078" y="2405059"/>
+                  <a:ext cx="303063" cy="215444"/>
+                </a:xfrm>
+                <a:prstGeom prst="rect">
+                  <a:avLst/>
+                </a:prstGeom>
+                <a:noFill/>
+                <a:ln>
+                  <a:noFill/>
+                </a:ln>
+                <a:effectLst/>
+                <a:extLst>
+                  <a:ext uri="{909E8E84-426E-40DD-AFC4-6F175D3DCCD1}">
+                    <a14:hiddenFill xmlns:a14="http://schemas.microsoft.com/office/drawing/2010/main">
+                      <a:solidFill>
+                        <a:schemeClr val="accent1"/>
+                      </a:solidFill>
+                    </a14:hiddenFill>
+                  </a:ext>
+                  <a:ext uri="{91240B29-F687-4F45-9708-019B960494DF}">
+                    <a14:hiddenLine xmlns:a14="http://schemas.microsoft.com/office/drawing/2010/main" w="9525">
+                      <a:solidFill>
+                        <a:schemeClr val="tx1"/>
+                      </a:solidFill>
+                      <a:miter lim="800000"/>
+                      <a:headEnd/>
+                      <a:tailEnd/>
+                    </a14:hiddenLine>
+                  </a:ext>
+                  <a:ext uri="{AF507438-7753-43E0-B8FC-AC1667EBCBE1}">
+                    <a14:hiddenEffects xmlns:a14="http://schemas.microsoft.com/office/drawing/2010/main">
+                      <a:effectLst>
+                        <a:outerShdw dist="35921" dir="2700000" algn="ctr" rotWithShape="0">
+                          <a:schemeClr val="bg2"/>
+                        </a:outerShdw>
+                      </a:effectLst>
+                    </a14:hiddenEffects>
+                  </a:ext>
+                </a:extLst>
+              </p:spPr>
+              <p:txBody>
+                <a:bodyPr vert="horz" wrap="square" lIns="91440" tIns="45720" rIns="91440" bIns="45720" numCol="1" anchor="ctr" anchorCtr="0" compatLnSpc="1">
+                  <a:prstTxWarp prst="textNoShape">
+                    <a:avLst/>
+                  </a:prstTxWarp>
+                  <a:spAutoFit/>
+                </a:bodyPr>
+                <a:lstStyle/>
+                <a:p>
+                  <a:r>
+                    <a:rPr lang="en-US" altLang="zh-CN" sz="800" dirty="0" smtClean="0">
+                      <a:latin typeface="Times New Roman" panose="02020603050405020304" pitchFamily="18" charset="0"/>
+                      <a:cs typeface="Times New Roman" panose="02020603050405020304" pitchFamily="18" charset="0"/>
+                    </a:rPr>
+                    <a:t>(7)</a:t>
+                  </a:r>
+                  <a:endParaRPr lang="zh-CN" altLang="en-US" sz="800" dirty="0">
+                    <a:latin typeface="Times New Roman" panose="02020603050405020304" pitchFamily="18" charset="0"/>
+                    <a:cs typeface="Times New Roman" panose="02020603050405020304" pitchFamily="18" charset="0"/>
+                  </a:endParaRPr>
+                </a:p>
+              </p:txBody>
+            </p:sp>
+          </p:grpSp>
+          <p:grpSp>
+            <p:nvGrpSpPr>
+              <p:cNvPr id="12" name="组合 11"/>
+              <p:cNvGrpSpPr/>
+              <p:nvPr/>
+            </p:nvGrpSpPr>
+            <p:grpSpPr>
+              <a:xfrm>
+                <a:off x="2316859" y="1887882"/>
+                <a:ext cx="582930" cy="725524"/>
+                <a:chOff x="2416356" y="1896107"/>
+                <a:chExt cx="582930" cy="725524"/>
+              </a:xfrm>
+            </p:grpSpPr>
+            <p:pic>
+              <p:nvPicPr>
+                <p:cNvPr id="22" name="图片 21"/>
+                <p:cNvPicPr/>
+                <p:nvPr/>
+              </p:nvPicPr>
+              <p:blipFill>
+                <a:blip r:embed="rId9">
+                  <a:extLst>
+                    <a:ext uri="{28A0092B-C50C-407E-A947-70E740481C1C}">
+                      <a14:useLocalDpi xmlns:a14="http://schemas.microsoft.com/office/drawing/2010/main" val="0"/>
+                    </a:ext>
+                  </a:extLst>
+                </a:blip>
+                <a:srcRect/>
+                <a:stretch>
+                  <a:fillRect/>
+                </a:stretch>
+              </p:blipFill>
+              <p:spPr bwMode="auto">
+                <a:xfrm>
+                  <a:off x="2416356" y="1896107"/>
+                  <a:ext cx="582930" cy="436880"/>
+                </a:xfrm>
+                <a:prstGeom prst="rect">
+                  <a:avLst/>
+                </a:prstGeom>
+                <a:noFill/>
+                <a:ln>
+                  <a:noFill/>
+                </a:ln>
+              </p:spPr>
+            </p:pic>
+            <p:sp>
+              <p:nvSpPr>
+                <p:cNvPr id="30" name="Rectangle 17"/>
+                <p:cNvSpPr>
+                  <a:spLocks noChangeArrowheads="1"/>
+                </p:cNvSpPr>
+                <p:nvPr/>
+              </p:nvSpPr>
+              <p:spPr bwMode="auto">
+                <a:xfrm>
+                  <a:off x="2556289" y="2406187"/>
+                  <a:ext cx="303063" cy="215444"/>
+                </a:xfrm>
+                <a:prstGeom prst="rect">
+                  <a:avLst/>
+                </a:prstGeom>
+                <a:noFill/>
+                <a:ln>
+                  <a:noFill/>
+                </a:ln>
+                <a:effectLst/>
+                <a:extLst>
+                  <a:ext uri="{909E8E84-426E-40DD-AFC4-6F175D3DCCD1}">
+                    <a14:hiddenFill xmlns:a14="http://schemas.microsoft.com/office/drawing/2010/main">
+                      <a:solidFill>
+                        <a:schemeClr val="accent1"/>
+                      </a:solidFill>
+                    </a14:hiddenFill>
+                  </a:ext>
+                  <a:ext uri="{91240B29-F687-4F45-9708-019B960494DF}">
+                    <a14:hiddenLine xmlns:a14="http://schemas.microsoft.com/office/drawing/2010/main" w="9525">
+                      <a:solidFill>
+                        <a:schemeClr val="tx1"/>
+                      </a:solidFill>
+                      <a:miter lim="800000"/>
+                      <a:headEnd/>
+                      <a:tailEnd/>
+                    </a14:hiddenLine>
+                  </a:ext>
+                  <a:ext uri="{AF507438-7753-43E0-B8FC-AC1667EBCBE1}">
+                    <a14:hiddenEffects xmlns:a14="http://schemas.microsoft.com/office/drawing/2010/main">
+                      <a:effectLst>
+                        <a:outerShdw dist="35921" dir="2700000" algn="ctr" rotWithShape="0">
+                          <a:schemeClr val="bg2"/>
+                        </a:outerShdw>
+                      </a:effectLst>
+                    </a14:hiddenEffects>
+                  </a:ext>
+                </a:extLst>
+              </p:spPr>
+              <p:txBody>
+                <a:bodyPr vert="horz" wrap="square" lIns="91440" tIns="45720" rIns="91440" bIns="45720" numCol="1" anchor="ctr" anchorCtr="0" compatLnSpc="1">
+                  <a:prstTxWarp prst="textNoShape">
+                    <a:avLst/>
+                  </a:prstTxWarp>
+                  <a:spAutoFit/>
+                </a:bodyPr>
+                <a:lstStyle/>
+                <a:p>
+                  <a:r>
+                    <a:rPr lang="en-US" altLang="zh-CN" sz="800" dirty="0" smtClean="0">
+                      <a:latin typeface="Times New Roman" panose="02020603050405020304" pitchFamily="18" charset="0"/>
+                      <a:cs typeface="Times New Roman" panose="02020603050405020304" pitchFamily="18" charset="0"/>
+                    </a:rPr>
+                    <a:t>(8)</a:t>
+                  </a:r>
+                  <a:endParaRPr lang="zh-CN" altLang="en-US" sz="800" dirty="0">
+                    <a:latin typeface="Times New Roman" panose="02020603050405020304" pitchFamily="18" charset="0"/>
+                    <a:cs typeface="Times New Roman" panose="02020603050405020304" pitchFamily="18" charset="0"/>
+                  </a:endParaRPr>
+                </a:p>
+              </p:txBody>
+            </p:sp>
+          </p:grpSp>
+        </p:grpSp>
+      </p:grpSp>
+    </p:spTree>
+    <p:extLst>
+      <p:ext uri="{BB962C8B-B14F-4D97-AF65-F5344CB8AC3E}">
+        <p14:creationId xmlns:p14="http://schemas.microsoft.com/office/powerpoint/2010/main" val="1308288933"/>
+      </p:ext>
+    </p:extLst>
+  </p:cSld>
+  <p:clrMapOvr>
+    <a:masterClrMapping/>
+  </p:clrMapOvr>
+</p:sld>
+</file>
+
 <file path=ppt/theme/theme1.xml><?xml version="1.0" encoding="utf-8"?>
 <a:theme xmlns:a="http://schemas.openxmlformats.org/drawingml/2006/main" name="Office 主题">
   <a:themeElements>
@@ -6280,7 +7443,7 @@
         <a:sysClr val="windowText" lastClr="000000"/>
       </a:dk1>
       <a:lt1>
-        <a:sysClr val="window" lastClr="FFFFFF"/>
+        <a:sysClr val="window" lastClr="C7EDCC"/>
       </a:lt1>
       <a:dk2>
         <a:srgbClr val="44546A"/>
@@ -6541,7 +7704,7 @@
         <a:sysClr val="windowText" lastClr="000000"/>
       </a:dk1>
       <a:lt1>
-        <a:sysClr val="window" lastClr="FFFFFF"/>
+        <a:sysClr val="window" lastClr="C7EDCC"/>
       </a:lt1>
       <a:dk2>
         <a:srgbClr val="44546A"/>
